--- a/ppt 16-9/0853.事主上算.pptx
+++ b/ppt 16-9/0853.事主上算.pptx
@@ -5,7 +5,7 @@
     <p:sldMasterId id="2147483648" r:id="rId1"/>
   </p:sldMasterIdLst>
   <p:sldIdLst>
-    <p:sldId id="2154" r:id="rId2"/>
+    <p:sldId id="2157" r:id="rId2"/>
   </p:sldIdLst>
   <p:sldSz cx="12192000" cy="6858000"/>
   <p:notesSz cx="6858000" cy="9144000"/>
@@ -129,7 +129,7 @@
           <p:cNvPr id="2" name="标题 1">
             <a:extLst>
               <a:ext uri="{FF2B5EF4-FFF2-40B4-BE49-F238E27FC236}">
-                <a16:creationId xmlns:a16="http://schemas.microsoft.com/office/drawing/2014/main" id="{F3DF55A2-47FD-0521-3909-20B996378108}"/>
+                <a16:creationId xmlns:a16="http://schemas.microsoft.com/office/drawing/2014/main" id="{A82378A6-682D-7529-BB79-3E781E1B724F}"/>
               </a:ext>
             </a:extLst>
           </p:cNvPr>
@@ -166,7 +166,7 @@
           <p:cNvPr id="3" name="副标题 2">
             <a:extLst>
               <a:ext uri="{FF2B5EF4-FFF2-40B4-BE49-F238E27FC236}">
-                <a16:creationId xmlns:a16="http://schemas.microsoft.com/office/drawing/2014/main" id="{D4BEC2B3-75D2-2B18-C06C-E3EBF6A1F839}"/>
+                <a16:creationId xmlns:a16="http://schemas.microsoft.com/office/drawing/2014/main" id="{59A5D8C8-2AD1-244E-8759-E4FE03D6B716}"/>
               </a:ext>
             </a:extLst>
           </p:cNvPr>
@@ -236,7 +236,7 @@
           <p:cNvPr id="4" name="日期占位符 3">
             <a:extLst>
               <a:ext uri="{FF2B5EF4-FFF2-40B4-BE49-F238E27FC236}">
-                <a16:creationId xmlns:a16="http://schemas.microsoft.com/office/drawing/2014/main" id="{78BBC747-A9D5-6F05-190C-B7F71A655B45}"/>
+                <a16:creationId xmlns:a16="http://schemas.microsoft.com/office/drawing/2014/main" id="{58DEBB3F-B4D8-8CEE-A00D-E9FB266C9F19}"/>
               </a:ext>
             </a:extLst>
           </p:cNvPr>
@@ -252,7 +252,7 @@
           <a:bodyPr/>
           <a:lstStyle/>
           <a:p>
-            <a:fld id="{80FDFF48-F760-43F4-A364-49F701DCEE90}" type="datetimeFigureOut">
+            <a:fld id="{2811FBD0-3757-4909-B157-A9AFDFF51C06}" type="datetimeFigureOut">
               <a:rPr lang="zh-CN" altLang="en-US" smtClean="0"/>
               <a:t>2024/3/10</a:t>
             </a:fld>
@@ -265,7 +265,7 @@
           <p:cNvPr id="5" name="页脚占位符 4">
             <a:extLst>
               <a:ext uri="{FF2B5EF4-FFF2-40B4-BE49-F238E27FC236}">
-                <a16:creationId xmlns:a16="http://schemas.microsoft.com/office/drawing/2014/main" id="{3031763B-030B-9451-7C1B-4BDC159CD319}"/>
+                <a16:creationId xmlns:a16="http://schemas.microsoft.com/office/drawing/2014/main" id="{2AEEF491-33D9-A3D7-C4C1-8359FFC9A993}"/>
               </a:ext>
             </a:extLst>
           </p:cNvPr>
@@ -290,7 +290,7 @@
           <p:cNvPr id="6" name="灯片编号占位符 5">
             <a:extLst>
               <a:ext uri="{FF2B5EF4-FFF2-40B4-BE49-F238E27FC236}">
-                <a16:creationId xmlns:a16="http://schemas.microsoft.com/office/drawing/2014/main" id="{A33B23B1-94FB-1A52-9E86-75D9EB80DDD6}"/>
+                <a16:creationId xmlns:a16="http://schemas.microsoft.com/office/drawing/2014/main" id="{5396ADD1-3DFB-C5AC-C3E5-AAF1EBD97E6B}"/>
               </a:ext>
             </a:extLst>
           </p:cNvPr>
@@ -306,7 +306,7 @@
           <a:bodyPr/>
           <a:lstStyle/>
           <a:p>
-            <a:fld id="{A512CFA4-0EA0-42D0-8B52-EC0705725711}" type="slidenum">
+            <a:fld id="{0941D7C0-6C69-4A51-B30A-1E9012FF3BFA}" type="slidenum">
               <a:rPr lang="zh-CN" altLang="en-US" smtClean="0"/>
               <a:t>‹#›</a:t>
             </a:fld>
@@ -317,7 +317,7 @@
     </p:spTree>
     <p:extLst>
       <p:ext uri="{BB962C8B-B14F-4D97-AF65-F5344CB8AC3E}">
-        <p14:creationId xmlns:p14="http://schemas.microsoft.com/office/powerpoint/2010/main" val="862950853"/>
+        <p14:creationId xmlns:p14="http://schemas.microsoft.com/office/powerpoint/2010/main" val="1114238912"/>
       </p:ext>
     </p:extLst>
   </p:cSld>
@@ -349,7 +349,7 @@
           <p:cNvPr id="2" name="标题 1">
             <a:extLst>
               <a:ext uri="{FF2B5EF4-FFF2-40B4-BE49-F238E27FC236}">
-                <a16:creationId xmlns:a16="http://schemas.microsoft.com/office/drawing/2014/main" id="{E2687BE3-9531-1BA2-76C8-70DF2CDDC7E3}"/>
+                <a16:creationId xmlns:a16="http://schemas.microsoft.com/office/drawing/2014/main" id="{2B3477EF-0F9F-18EE-3216-F68E37B50CCD}"/>
               </a:ext>
             </a:extLst>
           </p:cNvPr>
@@ -377,7 +377,7 @@
           <p:cNvPr id="3" name="竖排文字占位符 2">
             <a:extLst>
               <a:ext uri="{FF2B5EF4-FFF2-40B4-BE49-F238E27FC236}">
-                <a16:creationId xmlns:a16="http://schemas.microsoft.com/office/drawing/2014/main" id="{282AD26D-BAEC-1640-A65E-CF6D4C9EEF68}"/>
+                <a16:creationId xmlns:a16="http://schemas.microsoft.com/office/drawing/2014/main" id="{0156F504-3E26-F32F-D4F3-F4E044F20C72}"/>
               </a:ext>
             </a:extLst>
           </p:cNvPr>
@@ -434,7 +434,7 @@
           <p:cNvPr id="4" name="日期占位符 3">
             <a:extLst>
               <a:ext uri="{FF2B5EF4-FFF2-40B4-BE49-F238E27FC236}">
-                <a16:creationId xmlns:a16="http://schemas.microsoft.com/office/drawing/2014/main" id="{3E35CBB4-8DC1-E59C-B50F-E38B05E03339}"/>
+                <a16:creationId xmlns:a16="http://schemas.microsoft.com/office/drawing/2014/main" id="{5EA8F9F5-A9FD-9BCE-19D4-287735448A81}"/>
               </a:ext>
             </a:extLst>
           </p:cNvPr>
@@ -450,7 +450,7 @@
           <a:bodyPr/>
           <a:lstStyle/>
           <a:p>
-            <a:fld id="{80FDFF48-F760-43F4-A364-49F701DCEE90}" type="datetimeFigureOut">
+            <a:fld id="{2811FBD0-3757-4909-B157-A9AFDFF51C06}" type="datetimeFigureOut">
               <a:rPr lang="zh-CN" altLang="en-US" smtClean="0"/>
               <a:t>2024/3/10</a:t>
             </a:fld>
@@ -463,7 +463,7 @@
           <p:cNvPr id="5" name="页脚占位符 4">
             <a:extLst>
               <a:ext uri="{FF2B5EF4-FFF2-40B4-BE49-F238E27FC236}">
-                <a16:creationId xmlns:a16="http://schemas.microsoft.com/office/drawing/2014/main" id="{4E7581C2-4434-2E44-1C19-B0F8E268AE81}"/>
+                <a16:creationId xmlns:a16="http://schemas.microsoft.com/office/drawing/2014/main" id="{36849DF2-06BB-98F4-82F6-BFCD591E4C02}"/>
               </a:ext>
             </a:extLst>
           </p:cNvPr>
@@ -488,7 +488,7 @@
           <p:cNvPr id="6" name="灯片编号占位符 5">
             <a:extLst>
               <a:ext uri="{FF2B5EF4-FFF2-40B4-BE49-F238E27FC236}">
-                <a16:creationId xmlns:a16="http://schemas.microsoft.com/office/drawing/2014/main" id="{A7ADFF98-09D4-F8B1-0793-99A7277BE56E}"/>
+                <a16:creationId xmlns:a16="http://schemas.microsoft.com/office/drawing/2014/main" id="{2670EE3D-D347-5429-C7AB-55D113720EC8}"/>
               </a:ext>
             </a:extLst>
           </p:cNvPr>
@@ -504,7 +504,7 @@
           <a:bodyPr/>
           <a:lstStyle/>
           <a:p>
-            <a:fld id="{A512CFA4-0EA0-42D0-8B52-EC0705725711}" type="slidenum">
+            <a:fld id="{0941D7C0-6C69-4A51-B30A-1E9012FF3BFA}" type="slidenum">
               <a:rPr lang="zh-CN" altLang="en-US" smtClean="0"/>
               <a:t>‹#›</a:t>
             </a:fld>
@@ -515,7 +515,7 @@
     </p:spTree>
     <p:extLst>
       <p:ext uri="{BB962C8B-B14F-4D97-AF65-F5344CB8AC3E}">
-        <p14:creationId xmlns:p14="http://schemas.microsoft.com/office/powerpoint/2010/main" val="869527065"/>
+        <p14:creationId xmlns:p14="http://schemas.microsoft.com/office/powerpoint/2010/main" val="2290207939"/>
       </p:ext>
     </p:extLst>
   </p:cSld>
@@ -547,7 +547,7 @@
           <p:cNvPr id="2" name="竖排标题 1">
             <a:extLst>
               <a:ext uri="{FF2B5EF4-FFF2-40B4-BE49-F238E27FC236}">
-                <a16:creationId xmlns:a16="http://schemas.microsoft.com/office/drawing/2014/main" id="{F51B2BE3-B3ED-CFC7-95E9-D02AA962D0D7}"/>
+                <a16:creationId xmlns:a16="http://schemas.microsoft.com/office/drawing/2014/main" id="{52FB0AFA-FBFE-070E-F469-AC59F44F6ECB}"/>
               </a:ext>
             </a:extLst>
           </p:cNvPr>
@@ -580,7 +580,7 @@
           <p:cNvPr id="3" name="竖排文字占位符 2">
             <a:extLst>
               <a:ext uri="{FF2B5EF4-FFF2-40B4-BE49-F238E27FC236}">
-                <a16:creationId xmlns:a16="http://schemas.microsoft.com/office/drawing/2014/main" id="{ACBDD238-6468-A276-71F4-292F32114D5A}"/>
+                <a16:creationId xmlns:a16="http://schemas.microsoft.com/office/drawing/2014/main" id="{AC894401-5ED5-B350-7BCB-DAF0F3D40FA2}"/>
               </a:ext>
             </a:extLst>
           </p:cNvPr>
@@ -642,7 +642,7 @@
           <p:cNvPr id="4" name="日期占位符 3">
             <a:extLst>
               <a:ext uri="{FF2B5EF4-FFF2-40B4-BE49-F238E27FC236}">
-                <a16:creationId xmlns:a16="http://schemas.microsoft.com/office/drawing/2014/main" id="{101C728F-16AA-750D-8168-96E80EC6C1D2}"/>
+                <a16:creationId xmlns:a16="http://schemas.microsoft.com/office/drawing/2014/main" id="{834721AF-F72B-B0BF-920C-FCD3BA5A8D3E}"/>
               </a:ext>
             </a:extLst>
           </p:cNvPr>
@@ -658,7 +658,7 @@
           <a:bodyPr/>
           <a:lstStyle/>
           <a:p>
-            <a:fld id="{80FDFF48-F760-43F4-A364-49F701DCEE90}" type="datetimeFigureOut">
+            <a:fld id="{2811FBD0-3757-4909-B157-A9AFDFF51C06}" type="datetimeFigureOut">
               <a:rPr lang="zh-CN" altLang="en-US" smtClean="0"/>
               <a:t>2024/3/10</a:t>
             </a:fld>
@@ -671,7 +671,7 @@
           <p:cNvPr id="5" name="页脚占位符 4">
             <a:extLst>
               <a:ext uri="{FF2B5EF4-FFF2-40B4-BE49-F238E27FC236}">
-                <a16:creationId xmlns:a16="http://schemas.microsoft.com/office/drawing/2014/main" id="{2CE144AC-DECC-D158-8F59-374505D7A4C5}"/>
+                <a16:creationId xmlns:a16="http://schemas.microsoft.com/office/drawing/2014/main" id="{FADB879C-BE53-C82C-E72D-95875D613174}"/>
               </a:ext>
             </a:extLst>
           </p:cNvPr>
@@ -696,7 +696,7 @@
           <p:cNvPr id="6" name="灯片编号占位符 5">
             <a:extLst>
               <a:ext uri="{FF2B5EF4-FFF2-40B4-BE49-F238E27FC236}">
-                <a16:creationId xmlns:a16="http://schemas.microsoft.com/office/drawing/2014/main" id="{EE89372A-3721-1F44-6A25-2E3838E53FAD}"/>
+                <a16:creationId xmlns:a16="http://schemas.microsoft.com/office/drawing/2014/main" id="{4057961B-EAD9-7B57-B8A7-CB7E3AD2FF5A}"/>
               </a:ext>
             </a:extLst>
           </p:cNvPr>
@@ -712,7 +712,7 @@
           <a:bodyPr/>
           <a:lstStyle/>
           <a:p>
-            <a:fld id="{A512CFA4-0EA0-42D0-8B52-EC0705725711}" type="slidenum">
+            <a:fld id="{0941D7C0-6C69-4A51-B30A-1E9012FF3BFA}" type="slidenum">
               <a:rPr lang="zh-CN" altLang="en-US" smtClean="0"/>
               <a:t>‹#›</a:t>
             </a:fld>
@@ -723,7 +723,7 @@
     </p:spTree>
     <p:extLst>
       <p:ext uri="{BB962C8B-B14F-4D97-AF65-F5344CB8AC3E}">
-        <p14:creationId xmlns:p14="http://schemas.microsoft.com/office/powerpoint/2010/main" val="3054597575"/>
+        <p14:creationId xmlns:p14="http://schemas.microsoft.com/office/powerpoint/2010/main" val="2044720866"/>
       </p:ext>
     </p:extLst>
   </p:cSld>
@@ -755,7 +755,7 @@
           <p:cNvPr id="2" name="标题 1">
             <a:extLst>
               <a:ext uri="{FF2B5EF4-FFF2-40B4-BE49-F238E27FC236}">
-                <a16:creationId xmlns:a16="http://schemas.microsoft.com/office/drawing/2014/main" id="{DBD8EEF0-8CDF-66F6-DB80-6F720AF8E57B}"/>
+                <a16:creationId xmlns:a16="http://schemas.microsoft.com/office/drawing/2014/main" id="{F8569A42-8932-7707-336B-E3A65309B464}"/>
               </a:ext>
             </a:extLst>
           </p:cNvPr>
@@ -783,7 +783,7 @@
           <p:cNvPr id="3" name="内容占位符 2">
             <a:extLst>
               <a:ext uri="{FF2B5EF4-FFF2-40B4-BE49-F238E27FC236}">
-                <a16:creationId xmlns:a16="http://schemas.microsoft.com/office/drawing/2014/main" id="{E76EAB46-B07A-8B6F-5CF7-990F67C1A91A}"/>
+                <a16:creationId xmlns:a16="http://schemas.microsoft.com/office/drawing/2014/main" id="{ACC837E9-D975-FF69-5397-1E6EB0866881}"/>
               </a:ext>
             </a:extLst>
           </p:cNvPr>
@@ -840,7 +840,7 @@
           <p:cNvPr id="4" name="日期占位符 3">
             <a:extLst>
               <a:ext uri="{FF2B5EF4-FFF2-40B4-BE49-F238E27FC236}">
-                <a16:creationId xmlns:a16="http://schemas.microsoft.com/office/drawing/2014/main" id="{D8A96287-EADC-BE93-76D2-C6A6EFAB02B5}"/>
+                <a16:creationId xmlns:a16="http://schemas.microsoft.com/office/drawing/2014/main" id="{E961182F-E487-6D32-5D6A-66AAA1233FFD}"/>
               </a:ext>
             </a:extLst>
           </p:cNvPr>
@@ -856,7 +856,7 @@
           <a:bodyPr/>
           <a:lstStyle/>
           <a:p>
-            <a:fld id="{80FDFF48-F760-43F4-A364-49F701DCEE90}" type="datetimeFigureOut">
+            <a:fld id="{2811FBD0-3757-4909-B157-A9AFDFF51C06}" type="datetimeFigureOut">
               <a:rPr lang="zh-CN" altLang="en-US" smtClean="0"/>
               <a:t>2024/3/10</a:t>
             </a:fld>
@@ -869,7 +869,7 @@
           <p:cNvPr id="5" name="页脚占位符 4">
             <a:extLst>
               <a:ext uri="{FF2B5EF4-FFF2-40B4-BE49-F238E27FC236}">
-                <a16:creationId xmlns:a16="http://schemas.microsoft.com/office/drawing/2014/main" id="{FC0F3419-E255-44EC-CC6B-B55E8341E09C}"/>
+                <a16:creationId xmlns:a16="http://schemas.microsoft.com/office/drawing/2014/main" id="{BA3CAA0D-7461-4A37-D8FB-A5D55FC8AEA6}"/>
               </a:ext>
             </a:extLst>
           </p:cNvPr>
@@ -894,7 +894,7 @@
           <p:cNvPr id="6" name="灯片编号占位符 5">
             <a:extLst>
               <a:ext uri="{FF2B5EF4-FFF2-40B4-BE49-F238E27FC236}">
-                <a16:creationId xmlns:a16="http://schemas.microsoft.com/office/drawing/2014/main" id="{6B14D58A-61A3-585A-E9F5-98AE5E587B26}"/>
+                <a16:creationId xmlns:a16="http://schemas.microsoft.com/office/drawing/2014/main" id="{6F0E00E7-ACF3-AA80-9D05-9CCFF9630A4F}"/>
               </a:ext>
             </a:extLst>
           </p:cNvPr>
@@ -910,7 +910,7 @@
           <a:bodyPr/>
           <a:lstStyle/>
           <a:p>
-            <a:fld id="{A512CFA4-0EA0-42D0-8B52-EC0705725711}" type="slidenum">
+            <a:fld id="{0941D7C0-6C69-4A51-B30A-1E9012FF3BFA}" type="slidenum">
               <a:rPr lang="zh-CN" altLang="en-US" smtClean="0"/>
               <a:t>‹#›</a:t>
             </a:fld>
@@ -921,7 +921,7 @@
     </p:spTree>
     <p:extLst>
       <p:ext uri="{BB962C8B-B14F-4D97-AF65-F5344CB8AC3E}">
-        <p14:creationId xmlns:p14="http://schemas.microsoft.com/office/powerpoint/2010/main" val="4147154938"/>
+        <p14:creationId xmlns:p14="http://schemas.microsoft.com/office/powerpoint/2010/main" val="287100367"/>
       </p:ext>
     </p:extLst>
   </p:cSld>
@@ -953,7 +953,7 @@
           <p:cNvPr id="2" name="标题 1">
             <a:extLst>
               <a:ext uri="{FF2B5EF4-FFF2-40B4-BE49-F238E27FC236}">
-                <a16:creationId xmlns:a16="http://schemas.microsoft.com/office/drawing/2014/main" id="{D3679AD6-1458-C411-AE05-CC0ED57F065D}"/>
+                <a16:creationId xmlns:a16="http://schemas.microsoft.com/office/drawing/2014/main" id="{330F74AE-D6FF-9633-A597-EAD79A1A93E0}"/>
               </a:ext>
             </a:extLst>
           </p:cNvPr>
@@ -990,7 +990,7 @@
           <p:cNvPr id="3" name="文本占位符 2">
             <a:extLst>
               <a:ext uri="{FF2B5EF4-FFF2-40B4-BE49-F238E27FC236}">
-                <a16:creationId xmlns:a16="http://schemas.microsoft.com/office/drawing/2014/main" id="{82BDAAC5-634D-96D7-0B36-83D8227D9D87}"/>
+                <a16:creationId xmlns:a16="http://schemas.microsoft.com/office/drawing/2014/main" id="{CEBFB3FC-FFD2-DC5A-14A9-1A3FDDD22E62}"/>
               </a:ext>
             </a:extLst>
           </p:cNvPr>
@@ -1115,7 +1115,7 @@
           <p:cNvPr id="4" name="日期占位符 3">
             <a:extLst>
               <a:ext uri="{FF2B5EF4-FFF2-40B4-BE49-F238E27FC236}">
-                <a16:creationId xmlns:a16="http://schemas.microsoft.com/office/drawing/2014/main" id="{64543808-8579-179F-A6A8-C4B4C690E90F}"/>
+                <a16:creationId xmlns:a16="http://schemas.microsoft.com/office/drawing/2014/main" id="{14783DAA-1BA1-2C6F-C6AE-161847C7B945}"/>
               </a:ext>
             </a:extLst>
           </p:cNvPr>
@@ -1131,7 +1131,7 @@
           <a:bodyPr/>
           <a:lstStyle/>
           <a:p>
-            <a:fld id="{80FDFF48-F760-43F4-A364-49F701DCEE90}" type="datetimeFigureOut">
+            <a:fld id="{2811FBD0-3757-4909-B157-A9AFDFF51C06}" type="datetimeFigureOut">
               <a:rPr lang="zh-CN" altLang="en-US" smtClean="0"/>
               <a:t>2024/3/10</a:t>
             </a:fld>
@@ -1144,7 +1144,7 @@
           <p:cNvPr id="5" name="页脚占位符 4">
             <a:extLst>
               <a:ext uri="{FF2B5EF4-FFF2-40B4-BE49-F238E27FC236}">
-                <a16:creationId xmlns:a16="http://schemas.microsoft.com/office/drawing/2014/main" id="{4A31DF51-762E-6545-7544-0CE5F3844BB7}"/>
+                <a16:creationId xmlns:a16="http://schemas.microsoft.com/office/drawing/2014/main" id="{30853824-D1B3-9C9B-5CD2-8E744E578F47}"/>
               </a:ext>
             </a:extLst>
           </p:cNvPr>
@@ -1169,7 +1169,7 @@
           <p:cNvPr id="6" name="灯片编号占位符 5">
             <a:extLst>
               <a:ext uri="{FF2B5EF4-FFF2-40B4-BE49-F238E27FC236}">
-                <a16:creationId xmlns:a16="http://schemas.microsoft.com/office/drawing/2014/main" id="{8663FB22-96AE-4800-D914-B3CB4CCBBB85}"/>
+                <a16:creationId xmlns:a16="http://schemas.microsoft.com/office/drawing/2014/main" id="{9241C055-C55C-895A-DEFE-D8A20E1CD516}"/>
               </a:ext>
             </a:extLst>
           </p:cNvPr>
@@ -1185,7 +1185,7 @@
           <a:bodyPr/>
           <a:lstStyle/>
           <a:p>
-            <a:fld id="{A512CFA4-0EA0-42D0-8B52-EC0705725711}" type="slidenum">
+            <a:fld id="{0941D7C0-6C69-4A51-B30A-1E9012FF3BFA}" type="slidenum">
               <a:rPr lang="zh-CN" altLang="en-US" smtClean="0"/>
               <a:t>‹#›</a:t>
             </a:fld>
@@ -1196,7 +1196,7 @@
     </p:spTree>
     <p:extLst>
       <p:ext uri="{BB962C8B-B14F-4D97-AF65-F5344CB8AC3E}">
-        <p14:creationId xmlns:p14="http://schemas.microsoft.com/office/powerpoint/2010/main" val="2348832798"/>
+        <p14:creationId xmlns:p14="http://schemas.microsoft.com/office/powerpoint/2010/main" val="2531398543"/>
       </p:ext>
     </p:extLst>
   </p:cSld>
@@ -1228,7 +1228,7 @@
           <p:cNvPr id="2" name="标题 1">
             <a:extLst>
               <a:ext uri="{FF2B5EF4-FFF2-40B4-BE49-F238E27FC236}">
-                <a16:creationId xmlns:a16="http://schemas.microsoft.com/office/drawing/2014/main" id="{922E8852-D0F8-B3E3-587C-D5C28F25356C}"/>
+                <a16:creationId xmlns:a16="http://schemas.microsoft.com/office/drawing/2014/main" id="{59A60BE4-F706-50BB-902F-7EE67EB17A95}"/>
               </a:ext>
             </a:extLst>
           </p:cNvPr>
@@ -1256,7 +1256,7 @@
           <p:cNvPr id="3" name="内容占位符 2">
             <a:extLst>
               <a:ext uri="{FF2B5EF4-FFF2-40B4-BE49-F238E27FC236}">
-                <a16:creationId xmlns:a16="http://schemas.microsoft.com/office/drawing/2014/main" id="{CA79E991-0F73-0FF9-955B-DA217088B492}"/>
+                <a16:creationId xmlns:a16="http://schemas.microsoft.com/office/drawing/2014/main" id="{61641BA1-7431-5969-2744-83E3886D6052}"/>
               </a:ext>
             </a:extLst>
           </p:cNvPr>
@@ -1318,7 +1318,7 @@
           <p:cNvPr id="4" name="内容占位符 3">
             <a:extLst>
               <a:ext uri="{FF2B5EF4-FFF2-40B4-BE49-F238E27FC236}">
-                <a16:creationId xmlns:a16="http://schemas.microsoft.com/office/drawing/2014/main" id="{2002386C-BD73-8A8E-E2C3-E2FC26FB730D}"/>
+                <a16:creationId xmlns:a16="http://schemas.microsoft.com/office/drawing/2014/main" id="{7E85930C-AC29-F4C4-4ADD-1496EE26BD0D}"/>
               </a:ext>
             </a:extLst>
           </p:cNvPr>
@@ -1380,7 +1380,7 @@
           <p:cNvPr id="5" name="日期占位符 4">
             <a:extLst>
               <a:ext uri="{FF2B5EF4-FFF2-40B4-BE49-F238E27FC236}">
-                <a16:creationId xmlns:a16="http://schemas.microsoft.com/office/drawing/2014/main" id="{463F1AE7-26BD-5463-8073-A85BBD4A7050}"/>
+                <a16:creationId xmlns:a16="http://schemas.microsoft.com/office/drawing/2014/main" id="{4A0D0B97-B42B-8AE2-DD6D-ADB89C76A8EA}"/>
               </a:ext>
             </a:extLst>
           </p:cNvPr>
@@ -1396,7 +1396,7 @@
           <a:bodyPr/>
           <a:lstStyle/>
           <a:p>
-            <a:fld id="{80FDFF48-F760-43F4-A364-49F701DCEE90}" type="datetimeFigureOut">
+            <a:fld id="{2811FBD0-3757-4909-B157-A9AFDFF51C06}" type="datetimeFigureOut">
               <a:rPr lang="zh-CN" altLang="en-US" smtClean="0"/>
               <a:t>2024/3/10</a:t>
             </a:fld>
@@ -1409,7 +1409,7 @@
           <p:cNvPr id="6" name="页脚占位符 5">
             <a:extLst>
               <a:ext uri="{FF2B5EF4-FFF2-40B4-BE49-F238E27FC236}">
-                <a16:creationId xmlns:a16="http://schemas.microsoft.com/office/drawing/2014/main" id="{6765B013-329A-6210-8017-C59973FB960A}"/>
+                <a16:creationId xmlns:a16="http://schemas.microsoft.com/office/drawing/2014/main" id="{A2E732B0-B50C-444F-7C7C-54E3910756B2}"/>
               </a:ext>
             </a:extLst>
           </p:cNvPr>
@@ -1434,7 +1434,7 @@
           <p:cNvPr id="7" name="灯片编号占位符 6">
             <a:extLst>
               <a:ext uri="{FF2B5EF4-FFF2-40B4-BE49-F238E27FC236}">
-                <a16:creationId xmlns:a16="http://schemas.microsoft.com/office/drawing/2014/main" id="{8FB06F90-F728-DC5A-8468-8D72E36A46A1}"/>
+                <a16:creationId xmlns:a16="http://schemas.microsoft.com/office/drawing/2014/main" id="{67807E6D-005E-182F-2511-5E382FB380E1}"/>
               </a:ext>
             </a:extLst>
           </p:cNvPr>
@@ -1450,7 +1450,7 @@
           <a:bodyPr/>
           <a:lstStyle/>
           <a:p>
-            <a:fld id="{A512CFA4-0EA0-42D0-8B52-EC0705725711}" type="slidenum">
+            <a:fld id="{0941D7C0-6C69-4A51-B30A-1E9012FF3BFA}" type="slidenum">
               <a:rPr lang="zh-CN" altLang="en-US" smtClean="0"/>
               <a:t>‹#›</a:t>
             </a:fld>
@@ -1461,7 +1461,7 @@
     </p:spTree>
     <p:extLst>
       <p:ext uri="{BB962C8B-B14F-4D97-AF65-F5344CB8AC3E}">
-        <p14:creationId xmlns:p14="http://schemas.microsoft.com/office/powerpoint/2010/main" val="3561136929"/>
+        <p14:creationId xmlns:p14="http://schemas.microsoft.com/office/powerpoint/2010/main" val="3202333858"/>
       </p:ext>
     </p:extLst>
   </p:cSld>
@@ -1493,7 +1493,7 @@
           <p:cNvPr id="2" name="标题 1">
             <a:extLst>
               <a:ext uri="{FF2B5EF4-FFF2-40B4-BE49-F238E27FC236}">
-                <a16:creationId xmlns:a16="http://schemas.microsoft.com/office/drawing/2014/main" id="{2F912E68-F4EC-12FD-D11D-31A465E41634}"/>
+                <a16:creationId xmlns:a16="http://schemas.microsoft.com/office/drawing/2014/main" id="{F3462500-1F90-D0C3-EA3F-6111F9DA27A0}"/>
               </a:ext>
             </a:extLst>
           </p:cNvPr>
@@ -1526,7 +1526,7 @@
           <p:cNvPr id="3" name="文本占位符 2">
             <a:extLst>
               <a:ext uri="{FF2B5EF4-FFF2-40B4-BE49-F238E27FC236}">
-                <a16:creationId xmlns:a16="http://schemas.microsoft.com/office/drawing/2014/main" id="{9F4402B7-D0DE-9768-B976-82DFC821D8DB}"/>
+                <a16:creationId xmlns:a16="http://schemas.microsoft.com/office/drawing/2014/main" id="{E90FE833-91F2-657E-9E77-A0315EEA24CA}"/>
               </a:ext>
             </a:extLst>
           </p:cNvPr>
@@ -1597,7 +1597,7 @@
           <p:cNvPr id="4" name="内容占位符 3">
             <a:extLst>
               <a:ext uri="{FF2B5EF4-FFF2-40B4-BE49-F238E27FC236}">
-                <a16:creationId xmlns:a16="http://schemas.microsoft.com/office/drawing/2014/main" id="{1DA7B13C-30E0-07DF-6CEC-7A7632E34081}"/>
+                <a16:creationId xmlns:a16="http://schemas.microsoft.com/office/drawing/2014/main" id="{CFD42F3D-0D06-62EE-0EDD-09F65F90E2D3}"/>
               </a:ext>
             </a:extLst>
           </p:cNvPr>
@@ -1659,7 +1659,7 @@
           <p:cNvPr id="5" name="文本占位符 4">
             <a:extLst>
               <a:ext uri="{FF2B5EF4-FFF2-40B4-BE49-F238E27FC236}">
-                <a16:creationId xmlns:a16="http://schemas.microsoft.com/office/drawing/2014/main" id="{E6133900-AC21-EA93-2941-3DBDAC119B48}"/>
+                <a16:creationId xmlns:a16="http://schemas.microsoft.com/office/drawing/2014/main" id="{F2CA7E5B-C15B-1F89-60A9-B9639CE8B6E9}"/>
               </a:ext>
             </a:extLst>
           </p:cNvPr>
@@ -1730,7 +1730,7 @@
           <p:cNvPr id="6" name="内容占位符 5">
             <a:extLst>
               <a:ext uri="{FF2B5EF4-FFF2-40B4-BE49-F238E27FC236}">
-                <a16:creationId xmlns:a16="http://schemas.microsoft.com/office/drawing/2014/main" id="{042AECC4-5BD5-D948-25F8-18C7088DE241}"/>
+                <a16:creationId xmlns:a16="http://schemas.microsoft.com/office/drawing/2014/main" id="{9452DD69-3BA3-F46B-EB6F-75CA4855D6FA}"/>
               </a:ext>
             </a:extLst>
           </p:cNvPr>
@@ -1792,7 +1792,7 @@
           <p:cNvPr id="7" name="日期占位符 6">
             <a:extLst>
               <a:ext uri="{FF2B5EF4-FFF2-40B4-BE49-F238E27FC236}">
-                <a16:creationId xmlns:a16="http://schemas.microsoft.com/office/drawing/2014/main" id="{F4D3D189-3114-CAD2-2876-AECC57613862}"/>
+                <a16:creationId xmlns:a16="http://schemas.microsoft.com/office/drawing/2014/main" id="{954C0C00-D331-E335-6441-F11627E5C8CD}"/>
               </a:ext>
             </a:extLst>
           </p:cNvPr>
@@ -1808,7 +1808,7 @@
           <a:bodyPr/>
           <a:lstStyle/>
           <a:p>
-            <a:fld id="{80FDFF48-F760-43F4-A364-49F701DCEE90}" type="datetimeFigureOut">
+            <a:fld id="{2811FBD0-3757-4909-B157-A9AFDFF51C06}" type="datetimeFigureOut">
               <a:rPr lang="zh-CN" altLang="en-US" smtClean="0"/>
               <a:t>2024/3/10</a:t>
             </a:fld>
@@ -1821,7 +1821,7 @@
           <p:cNvPr id="8" name="页脚占位符 7">
             <a:extLst>
               <a:ext uri="{FF2B5EF4-FFF2-40B4-BE49-F238E27FC236}">
-                <a16:creationId xmlns:a16="http://schemas.microsoft.com/office/drawing/2014/main" id="{8D033CD8-E430-E4CE-8E98-AED20E1EC4C6}"/>
+                <a16:creationId xmlns:a16="http://schemas.microsoft.com/office/drawing/2014/main" id="{85038DB3-3E46-DA1D-08C8-057139B4E668}"/>
               </a:ext>
             </a:extLst>
           </p:cNvPr>
@@ -1846,7 +1846,7 @@
           <p:cNvPr id="9" name="灯片编号占位符 8">
             <a:extLst>
               <a:ext uri="{FF2B5EF4-FFF2-40B4-BE49-F238E27FC236}">
-                <a16:creationId xmlns:a16="http://schemas.microsoft.com/office/drawing/2014/main" id="{0CE2032B-988F-DF20-2497-875B2BD563C9}"/>
+                <a16:creationId xmlns:a16="http://schemas.microsoft.com/office/drawing/2014/main" id="{B3C5C78C-7177-4345-C2D0-D6677589A58C}"/>
               </a:ext>
             </a:extLst>
           </p:cNvPr>
@@ -1862,7 +1862,7 @@
           <a:bodyPr/>
           <a:lstStyle/>
           <a:p>
-            <a:fld id="{A512CFA4-0EA0-42D0-8B52-EC0705725711}" type="slidenum">
+            <a:fld id="{0941D7C0-6C69-4A51-B30A-1E9012FF3BFA}" type="slidenum">
               <a:rPr lang="zh-CN" altLang="en-US" smtClean="0"/>
               <a:t>‹#›</a:t>
             </a:fld>
@@ -1873,7 +1873,7 @@
     </p:spTree>
     <p:extLst>
       <p:ext uri="{BB962C8B-B14F-4D97-AF65-F5344CB8AC3E}">
-        <p14:creationId xmlns:p14="http://schemas.microsoft.com/office/powerpoint/2010/main" val="3755312981"/>
+        <p14:creationId xmlns:p14="http://schemas.microsoft.com/office/powerpoint/2010/main" val="2003214161"/>
       </p:ext>
     </p:extLst>
   </p:cSld>
@@ -1905,7 +1905,7 @@
           <p:cNvPr id="2" name="标题 1">
             <a:extLst>
               <a:ext uri="{FF2B5EF4-FFF2-40B4-BE49-F238E27FC236}">
-                <a16:creationId xmlns:a16="http://schemas.microsoft.com/office/drawing/2014/main" id="{147F6A29-EBD9-F641-67C3-A17D788E6A93}"/>
+                <a16:creationId xmlns:a16="http://schemas.microsoft.com/office/drawing/2014/main" id="{1C3C956A-C15F-1042-273A-96369EAA8761}"/>
               </a:ext>
             </a:extLst>
           </p:cNvPr>
@@ -1933,7 +1933,7 @@
           <p:cNvPr id="3" name="日期占位符 2">
             <a:extLst>
               <a:ext uri="{FF2B5EF4-FFF2-40B4-BE49-F238E27FC236}">
-                <a16:creationId xmlns:a16="http://schemas.microsoft.com/office/drawing/2014/main" id="{C769F831-57C7-0636-3FDE-5EC4CB98D727}"/>
+                <a16:creationId xmlns:a16="http://schemas.microsoft.com/office/drawing/2014/main" id="{5E5037ED-D038-9F24-567E-DE147B192054}"/>
               </a:ext>
             </a:extLst>
           </p:cNvPr>
@@ -1949,7 +1949,7 @@
           <a:bodyPr/>
           <a:lstStyle/>
           <a:p>
-            <a:fld id="{80FDFF48-F760-43F4-A364-49F701DCEE90}" type="datetimeFigureOut">
+            <a:fld id="{2811FBD0-3757-4909-B157-A9AFDFF51C06}" type="datetimeFigureOut">
               <a:rPr lang="zh-CN" altLang="en-US" smtClean="0"/>
               <a:t>2024/3/10</a:t>
             </a:fld>
@@ -1962,7 +1962,7 @@
           <p:cNvPr id="4" name="页脚占位符 3">
             <a:extLst>
               <a:ext uri="{FF2B5EF4-FFF2-40B4-BE49-F238E27FC236}">
-                <a16:creationId xmlns:a16="http://schemas.microsoft.com/office/drawing/2014/main" id="{881618F8-0DEC-A628-3CE5-6AE097F2AFD1}"/>
+                <a16:creationId xmlns:a16="http://schemas.microsoft.com/office/drawing/2014/main" id="{5D74C191-6E7C-E1DA-2F4F-B4AA62B3704F}"/>
               </a:ext>
             </a:extLst>
           </p:cNvPr>
@@ -1987,7 +1987,7 @@
           <p:cNvPr id="5" name="灯片编号占位符 4">
             <a:extLst>
               <a:ext uri="{FF2B5EF4-FFF2-40B4-BE49-F238E27FC236}">
-                <a16:creationId xmlns:a16="http://schemas.microsoft.com/office/drawing/2014/main" id="{8DB80FA1-40A9-513A-3658-F764BBBA0DE5}"/>
+                <a16:creationId xmlns:a16="http://schemas.microsoft.com/office/drawing/2014/main" id="{7F5B8754-30FD-DF8F-2252-D6CF8745FDA9}"/>
               </a:ext>
             </a:extLst>
           </p:cNvPr>
@@ -2003,7 +2003,7 @@
           <a:bodyPr/>
           <a:lstStyle/>
           <a:p>
-            <a:fld id="{A512CFA4-0EA0-42D0-8B52-EC0705725711}" type="slidenum">
+            <a:fld id="{0941D7C0-6C69-4A51-B30A-1E9012FF3BFA}" type="slidenum">
               <a:rPr lang="zh-CN" altLang="en-US" smtClean="0"/>
               <a:t>‹#›</a:t>
             </a:fld>
@@ -2014,7 +2014,7 @@
     </p:spTree>
     <p:extLst>
       <p:ext uri="{BB962C8B-B14F-4D97-AF65-F5344CB8AC3E}">
-        <p14:creationId xmlns:p14="http://schemas.microsoft.com/office/powerpoint/2010/main" val="2125624984"/>
+        <p14:creationId xmlns:p14="http://schemas.microsoft.com/office/powerpoint/2010/main" val="3135226969"/>
       </p:ext>
     </p:extLst>
   </p:cSld>
@@ -2046,7 +2046,7 @@
           <p:cNvPr id="2" name="日期占位符 1">
             <a:extLst>
               <a:ext uri="{FF2B5EF4-FFF2-40B4-BE49-F238E27FC236}">
-                <a16:creationId xmlns:a16="http://schemas.microsoft.com/office/drawing/2014/main" id="{02CBD4A9-FC42-5B4A-CBDF-05FC0A301465}"/>
+                <a16:creationId xmlns:a16="http://schemas.microsoft.com/office/drawing/2014/main" id="{9BA1921F-3C26-F0E1-A68C-B99F674CA9D9}"/>
               </a:ext>
             </a:extLst>
           </p:cNvPr>
@@ -2062,7 +2062,7 @@
           <a:bodyPr/>
           <a:lstStyle/>
           <a:p>
-            <a:fld id="{80FDFF48-F760-43F4-A364-49F701DCEE90}" type="datetimeFigureOut">
+            <a:fld id="{2811FBD0-3757-4909-B157-A9AFDFF51C06}" type="datetimeFigureOut">
               <a:rPr lang="zh-CN" altLang="en-US" smtClean="0"/>
               <a:t>2024/3/10</a:t>
             </a:fld>
@@ -2075,7 +2075,7 @@
           <p:cNvPr id="3" name="页脚占位符 2">
             <a:extLst>
               <a:ext uri="{FF2B5EF4-FFF2-40B4-BE49-F238E27FC236}">
-                <a16:creationId xmlns:a16="http://schemas.microsoft.com/office/drawing/2014/main" id="{500F1042-0CAE-84CB-F5A9-DFC16172ECD3}"/>
+                <a16:creationId xmlns:a16="http://schemas.microsoft.com/office/drawing/2014/main" id="{38863EDD-94A1-7884-080B-D588E186143A}"/>
               </a:ext>
             </a:extLst>
           </p:cNvPr>
@@ -2100,7 +2100,7 @@
           <p:cNvPr id="4" name="灯片编号占位符 3">
             <a:extLst>
               <a:ext uri="{FF2B5EF4-FFF2-40B4-BE49-F238E27FC236}">
-                <a16:creationId xmlns:a16="http://schemas.microsoft.com/office/drawing/2014/main" id="{C50B350C-7EC0-AA5E-3C9A-C6EDB3F1445F}"/>
+                <a16:creationId xmlns:a16="http://schemas.microsoft.com/office/drawing/2014/main" id="{AA9FAFFD-A45D-0566-6382-D6EE1ED39785}"/>
               </a:ext>
             </a:extLst>
           </p:cNvPr>
@@ -2116,7 +2116,7 @@
           <a:bodyPr/>
           <a:lstStyle/>
           <a:p>
-            <a:fld id="{A512CFA4-0EA0-42D0-8B52-EC0705725711}" type="slidenum">
+            <a:fld id="{0941D7C0-6C69-4A51-B30A-1E9012FF3BFA}" type="slidenum">
               <a:rPr lang="zh-CN" altLang="en-US" smtClean="0"/>
               <a:t>‹#›</a:t>
             </a:fld>
@@ -2127,7 +2127,7 @@
     </p:spTree>
     <p:extLst>
       <p:ext uri="{BB962C8B-B14F-4D97-AF65-F5344CB8AC3E}">
-        <p14:creationId xmlns:p14="http://schemas.microsoft.com/office/powerpoint/2010/main" val="3868145887"/>
+        <p14:creationId xmlns:p14="http://schemas.microsoft.com/office/powerpoint/2010/main" val="3661068968"/>
       </p:ext>
     </p:extLst>
   </p:cSld>
@@ -2159,7 +2159,7 @@
           <p:cNvPr id="2" name="标题 1">
             <a:extLst>
               <a:ext uri="{FF2B5EF4-FFF2-40B4-BE49-F238E27FC236}">
-                <a16:creationId xmlns:a16="http://schemas.microsoft.com/office/drawing/2014/main" id="{4F1FF9A3-4365-B514-431A-EA01097F9DD7}"/>
+                <a16:creationId xmlns:a16="http://schemas.microsoft.com/office/drawing/2014/main" id="{E4F35890-D576-166D-2DF2-5D570E09FC94}"/>
               </a:ext>
             </a:extLst>
           </p:cNvPr>
@@ -2196,7 +2196,7 @@
           <p:cNvPr id="3" name="内容占位符 2">
             <a:extLst>
               <a:ext uri="{FF2B5EF4-FFF2-40B4-BE49-F238E27FC236}">
-                <a16:creationId xmlns:a16="http://schemas.microsoft.com/office/drawing/2014/main" id="{2DA56C7A-4722-031F-10B1-E464EF2EC47F}"/>
+                <a16:creationId xmlns:a16="http://schemas.microsoft.com/office/drawing/2014/main" id="{E837CAA2-34D0-33F5-4512-9ED982253C66}"/>
               </a:ext>
             </a:extLst>
           </p:cNvPr>
@@ -2286,7 +2286,7 @@
           <p:cNvPr id="4" name="文本占位符 3">
             <a:extLst>
               <a:ext uri="{FF2B5EF4-FFF2-40B4-BE49-F238E27FC236}">
-                <a16:creationId xmlns:a16="http://schemas.microsoft.com/office/drawing/2014/main" id="{DAA20C99-3716-A2E0-EE3B-E44E9F80873D}"/>
+                <a16:creationId xmlns:a16="http://schemas.microsoft.com/office/drawing/2014/main" id="{5DCDEA34-D523-0C85-0476-3203A83A62ED}"/>
               </a:ext>
             </a:extLst>
           </p:cNvPr>
@@ -2357,7 +2357,7 @@
           <p:cNvPr id="5" name="日期占位符 4">
             <a:extLst>
               <a:ext uri="{FF2B5EF4-FFF2-40B4-BE49-F238E27FC236}">
-                <a16:creationId xmlns:a16="http://schemas.microsoft.com/office/drawing/2014/main" id="{1B8D66B7-A7FA-38A7-92C8-58ED2927D4E6}"/>
+                <a16:creationId xmlns:a16="http://schemas.microsoft.com/office/drawing/2014/main" id="{6F466A73-11F3-E835-1BB3-FB15F9062956}"/>
               </a:ext>
             </a:extLst>
           </p:cNvPr>
@@ -2373,7 +2373,7 @@
           <a:bodyPr/>
           <a:lstStyle/>
           <a:p>
-            <a:fld id="{80FDFF48-F760-43F4-A364-49F701DCEE90}" type="datetimeFigureOut">
+            <a:fld id="{2811FBD0-3757-4909-B157-A9AFDFF51C06}" type="datetimeFigureOut">
               <a:rPr lang="zh-CN" altLang="en-US" smtClean="0"/>
               <a:t>2024/3/10</a:t>
             </a:fld>
@@ -2386,7 +2386,7 @@
           <p:cNvPr id="6" name="页脚占位符 5">
             <a:extLst>
               <a:ext uri="{FF2B5EF4-FFF2-40B4-BE49-F238E27FC236}">
-                <a16:creationId xmlns:a16="http://schemas.microsoft.com/office/drawing/2014/main" id="{AC3BF314-7077-D3A7-3FB6-D65DC7E4DB6B}"/>
+                <a16:creationId xmlns:a16="http://schemas.microsoft.com/office/drawing/2014/main" id="{70A3F143-3DA9-1446-E3E4-FD1F0A97FC87}"/>
               </a:ext>
             </a:extLst>
           </p:cNvPr>
@@ -2411,7 +2411,7 @@
           <p:cNvPr id="7" name="灯片编号占位符 6">
             <a:extLst>
               <a:ext uri="{FF2B5EF4-FFF2-40B4-BE49-F238E27FC236}">
-                <a16:creationId xmlns:a16="http://schemas.microsoft.com/office/drawing/2014/main" id="{DCD169E5-8AB6-DCAD-457C-703B688732EF}"/>
+                <a16:creationId xmlns:a16="http://schemas.microsoft.com/office/drawing/2014/main" id="{6431ECDD-24B2-AFC3-46F5-5550D1440DA9}"/>
               </a:ext>
             </a:extLst>
           </p:cNvPr>
@@ -2427,7 +2427,7 @@
           <a:bodyPr/>
           <a:lstStyle/>
           <a:p>
-            <a:fld id="{A512CFA4-0EA0-42D0-8B52-EC0705725711}" type="slidenum">
+            <a:fld id="{0941D7C0-6C69-4A51-B30A-1E9012FF3BFA}" type="slidenum">
               <a:rPr lang="zh-CN" altLang="en-US" smtClean="0"/>
               <a:t>‹#›</a:t>
             </a:fld>
@@ -2438,7 +2438,7 @@
     </p:spTree>
     <p:extLst>
       <p:ext uri="{BB962C8B-B14F-4D97-AF65-F5344CB8AC3E}">
-        <p14:creationId xmlns:p14="http://schemas.microsoft.com/office/powerpoint/2010/main" val="89170426"/>
+        <p14:creationId xmlns:p14="http://schemas.microsoft.com/office/powerpoint/2010/main" val="4211601094"/>
       </p:ext>
     </p:extLst>
   </p:cSld>
@@ -2470,7 +2470,7 @@
           <p:cNvPr id="2" name="标题 1">
             <a:extLst>
               <a:ext uri="{FF2B5EF4-FFF2-40B4-BE49-F238E27FC236}">
-                <a16:creationId xmlns:a16="http://schemas.microsoft.com/office/drawing/2014/main" id="{72088963-A74C-A0A7-D7EF-8BFE5D25AB0B}"/>
+                <a16:creationId xmlns:a16="http://schemas.microsoft.com/office/drawing/2014/main" id="{B934B17B-677E-8AFB-8075-15AE092AACC8}"/>
               </a:ext>
             </a:extLst>
           </p:cNvPr>
@@ -2507,7 +2507,7 @@
           <p:cNvPr id="3" name="图片占位符 2">
             <a:extLst>
               <a:ext uri="{FF2B5EF4-FFF2-40B4-BE49-F238E27FC236}">
-                <a16:creationId xmlns:a16="http://schemas.microsoft.com/office/drawing/2014/main" id="{421960F3-7020-2E05-09A4-0A1FB2BFCE5B}"/>
+                <a16:creationId xmlns:a16="http://schemas.microsoft.com/office/drawing/2014/main" id="{E6577A94-D40A-BF49-CDFE-262CF416A087}"/>
               </a:ext>
             </a:extLst>
           </p:cNvPr>
@@ -2574,7 +2574,7 @@
           <p:cNvPr id="4" name="文本占位符 3">
             <a:extLst>
               <a:ext uri="{FF2B5EF4-FFF2-40B4-BE49-F238E27FC236}">
-                <a16:creationId xmlns:a16="http://schemas.microsoft.com/office/drawing/2014/main" id="{FD7FF810-E7E5-1334-124E-84D9A6CA9664}"/>
+                <a16:creationId xmlns:a16="http://schemas.microsoft.com/office/drawing/2014/main" id="{3D72D47D-AA77-4931-EC64-259F1A1EDC64}"/>
               </a:ext>
             </a:extLst>
           </p:cNvPr>
@@ -2645,7 +2645,7 @@
           <p:cNvPr id="5" name="日期占位符 4">
             <a:extLst>
               <a:ext uri="{FF2B5EF4-FFF2-40B4-BE49-F238E27FC236}">
-                <a16:creationId xmlns:a16="http://schemas.microsoft.com/office/drawing/2014/main" id="{3F06F739-3526-485C-3B9D-4F73B10DD3BA}"/>
+                <a16:creationId xmlns:a16="http://schemas.microsoft.com/office/drawing/2014/main" id="{F6E6B6F1-55AE-5D43-2C28-42C07F32CEDF}"/>
               </a:ext>
             </a:extLst>
           </p:cNvPr>
@@ -2661,7 +2661,7 @@
           <a:bodyPr/>
           <a:lstStyle/>
           <a:p>
-            <a:fld id="{80FDFF48-F760-43F4-A364-49F701DCEE90}" type="datetimeFigureOut">
+            <a:fld id="{2811FBD0-3757-4909-B157-A9AFDFF51C06}" type="datetimeFigureOut">
               <a:rPr lang="zh-CN" altLang="en-US" smtClean="0"/>
               <a:t>2024/3/10</a:t>
             </a:fld>
@@ -2674,7 +2674,7 @@
           <p:cNvPr id="6" name="页脚占位符 5">
             <a:extLst>
               <a:ext uri="{FF2B5EF4-FFF2-40B4-BE49-F238E27FC236}">
-                <a16:creationId xmlns:a16="http://schemas.microsoft.com/office/drawing/2014/main" id="{44A04EC0-AF28-B4D0-FFE6-FE4379B584BB}"/>
+                <a16:creationId xmlns:a16="http://schemas.microsoft.com/office/drawing/2014/main" id="{244598AD-1533-ACB7-FEC7-85C75C8340C0}"/>
               </a:ext>
             </a:extLst>
           </p:cNvPr>
@@ -2699,7 +2699,7 @@
           <p:cNvPr id="7" name="灯片编号占位符 6">
             <a:extLst>
               <a:ext uri="{FF2B5EF4-FFF2-40B4-BE49-F238E27FC236}">
-                <a16:creationId xmlns:a16="http://schemas.microsoft.com/office/drawing/2014/main" id="{5F5D1E91-99D8-C285-DF05-5B7D5AD19C03}"/>
+                <a16:creationId xmlns:a16="http://schemas.microsoft.com/office/drawing/2014/main" id="{831FA510-1CAD-F417-F0C6-A44B330DD19D}"/>
               </a:ext>
             </a:extLst>
           </p:cNvPr>
@@ -2715,7 +2715,7 @@
           <a:bodyPr/>
           <a:lstStyle/>
           <a:p>
-            <a:fld id="{A512CFA4-0EA0-42D0-8B52-EC0705725711}" type="slidenum">
+            <a:fld id="{0941D7C0-6C69-4A51-B30A-1E9012FF3BFA}" type="slidenum">
               <a:rPr lang="zh-CN" altLang="en-US" smtClean="0"/>
               <a:t>‹#›</a:t>
             </a:fld>
@@ -2726,7 +2726,7 @@
     </p:spTree>
     <p:extLst>
       <p:ext uri="{BB962C8B-B14F-4D97-AF65-F5344CB8AC3E}">
-        <p14:creationId xmlns:p14="http://schemas.microsoft.com/office/powerpoint/2010/main" val="3187033716"/>
+        <p14:creationId xmlns:p14="http://schemas.microsoft.com/office/powerpoint/2010/main" val="3320884149"/>
       </p:ext>
     </p:extLst>
   </p:cSld>
@@ -2763,7 +2763,7 @@
           <p:cNvPr id="2" name="标题占位符 1">
             <a:extLst>
               <a:ext uri="{FF2B5EF4-FFF2-40B4-BE49-F238E27FC236}">
-                <a16:creationId xmlns:a16="http://schemas.microsoft.com/office/drawing/2014/main" id="{EA050AFB-5D3B-C265-7B41-3930B1A28549}"/>
+                <a16:creationId xmlns:a16="http://schemas.microsoft.com/office/drawing/2014/main" id="{1C3C99DA-0DE2-752D-380D-85AC6F56AFFB}"/>
               </a:ext>
             </a:extLst>
           </p:cNvPr>
@@ -2801,7 +2801,7 @@
           <p:cNvPr id="3" name="文本占位符 2">
             <a:extLst>
               <a:ext uri="{FF2B5EF4-FFF2-40B4-BE49-F238E27FC236}">
-                <a16:creationId xmlns:a16="http://schemas.microsoft.com/office/drawing/2014/main" id="{17E6E1A7-685E-05A4-E19C-DF39CE19B53E}"/>
+                <a16:creationId xmlns:a16="http://schemas.microsoft.com/office/drawing/2014/main" id="{09B57DF2-4661-1C60-D79B-647E62FE1DD6}"/>
               </a:ext>
             </a:extLst>
           </p:cNvPr>
@@ -2868,7 +2868,7 @@
           <p:cNvPr id="4" name="日期占位符 3">
             <a:extLst>
               <a:ext uri="{FF2B5EF4-FFF2-40B4-BE49-F238E27FC236}">
-                <a16:creationId xmlns:a16="http://schemas.microsoft.com/office/drawing/2014/main" id="{0E0E78E4-CA8A-2F3D-2241-D5B233B5B371}"/>
+                <a16:creationId xmlns:a16="http://schemas.microsoft.com/office/drawing/2014/main" id="{BC0238B3-AD1F-F7BA-5DB0-641B2558516F}"/>
               </a:ext>
             </a:extLst>
           </p:cNvPr>
@@ -2902,7 +2902,7 @@
             </a:lvl1pPr>
           </a:lstStyle>
           <a:p>
-            <a:fld id="{80FDFF48-F760-43F4-A364-49F701DCEE90}" type="datetimeFigureOut">
+            <a:fld id="{2811FBD0-3757-4909-B157-A9AFDFF51C06}" type="datetimeFigureOut">
               <a:rPr lang="zh-CN" altLang="en-US" smtClean="0"/>
               <a:t>2024/3/10</a:t>
             </a:fld>
@@ -2915,7 +2915,7 @@
           <p:cNvPr id="5" name="页脚占位符 4">
             <a:extLst>
               <a:ext uri="{FF2B5EF4-FFF2-40B4-BE49-F238E27FC236}">
-                <a16:creationId xmlns:a16="http://schemas.microsoft.com/office/drawing/2014/main" id="{BFD52824-9658-A80D-6BEB-73B1FEEC1A69}"/>
+                <a16:creationId xmlns:a16="http://schemas.microsoft.com/office/drawing/2014/main" id="{7C262663-8471-7636-15D6-830A5530408D}"/>
               </a:ext>
             </a:extLst>
           </p:cNvPr>
@@ -2958,7 +2958,7 @@
           <p:cNvPr id="6" name="灯片编号占位符 5">
             <a:extLst>
               <a:ext uri="{FF2B5EF4-FFF2-40B4-BE49-F238E27FC236}">
-                <a16:creationId xmlns:a16="http://schemas.microsoft.com/office/drawing/2014/main" id="{4F5DA811-FCD0-0D57-417C-80931C843763}"/>
+                <a16:creationId xmlns:a16="http://schemas.microsoft.com/office/drawing/2014/main" id="{332DF5F7-D0EC-D478-80A2-90BC1BD7F7FA}"/>
               </a:ext>
             </a:extLst>
           </p:cNvPr>
@@ -2992,7 +2992,7 @@
             </a:lvl1pPr>
           </a:lstStyle>
           <a:p>
-            <a:fld id="{A512CFA4-0EA0-42D0-8B52-EC0705725711}" type="slidenum">
+            <a:fld id="{0941D7C0-6C69-4A51-B30A-1E9012FF3BFA}" type="slidenum">
               <a:rPr lang="zh-CN" altLang="en-US" smtClean="0"/>
               <a:t>‹#›</a:t>
             </a:fld>
@@ -3003,7 +3003,7 @@
     </p:spTree>
     <p:extLst>
       <p:ext uri="{BB962C8B-B14F-4D97-AF65-F5344CB8AC3E}">
-        <p14:creationId xmlns:p14="http://schemas.microsoft.com/office/powerpoint/2010/main" val="689756233"/>
+        <p14:creationId xmlns:p14="http://schemas.microsoft.com/office/powerpoint/2010/main" val="2689692136"/>
       </p:ext>
     </p:extLst>
   </p:cSld>
@@ -3323,7 +3323,7 @@
       </p:grpSpPr>
       <p:pic>
         <p:nvPicPr>
-          <p:cNvPr id="873474" name="Picture 2" descr="852"/>
+          <p:cNvPr id="874498" name="Picture 2" descr="853"/>
           <p:cNvPicPr>
             <a:picLocks noChangeAspect="1" noChangeArrowheads="1"/>
           </p:cNvPicPr>
@@ -3344,8 +3344,8 @@
         </p:blipFill>
         <p:spPr bwMode="auto">
           <a:xfrm>
-            <a:off x="1524000" y="0"/>
-            <a:ext cx="9018588" cy="6764338"/>
+            <a:off x="1543050" y="14288"/>
+            <a:ext cx="9124950" cy="6843712"/>
           </a:xfrm>
           <a:prstGeom prst="rect">
             <a:avLst/>
@@ -3375,158 +3375,11 @@
           </a:extLst>
         </p:spPr>
       </p:pic>
-      <p:pic>
-        <p:nvPicPr>
-          <p:cNvPr id="874499" name="Picture 3" descr="852-2"/>
-          <p:cNvPicPr>
-            <a:picLocks noChangeAspect="1" noChangeArrowheads="1"/>
-          </p:cNvPicPr>
-          <p:nvPr/>
-        </p:nvPicPr>
-        <p:blipFill>
-          <a:blip r:embed="rId3">
-            <a:extLst>
-              <a:ext uri="{28A0092B-C50C-407E-A947-70E740481C1C}">
-                <a14:useLocalDpi xmlns:a14="http://schemas.microsoft.com/office/drawing/2010/main" val="0"/>
-              </a:ext>
-            </a:extLst>
-          </a:blip>
-          <a:srcRect/>
-          <a:stretch>
-            <a:fillRect/>
-          </a:stretch>
-        </p:blipFill>
-        <p:spPr bwMode="auto">
-          <a:xfrm>
-            <a:off x="1524000" y="1"/>
-            <a:ext cx="9055100" cy="6791325"/>
-          </a:xfrm>
-          <a:prstGeom prst="rect">
-            <a:avLst/>
-          </a:prstGeom>
-          <a:noFill/>
-          <a:ln>
-            <a:noFill/>
-          </a:ln>
-          <a:effectLst/>
-          <a:extLst>
-            <a:ext uri="{909E8E84-426E-40DD-AFC4-6F175D3DCCD1}">
-              <a14:hiddenFill xmlns:a14="http://schemas.microsoft.com/office/drawing/2010/main">
-                <a:solidFill>
-                  <a:srgbClr val="FFFFFF"/>
-                </a:solidFill>
-              </a14:hiddenFill>
-            </a:ext>
-            <a:ext uri="{91240B29-F687-4F45-9708-019B960494DF}">
-              <a14:hiddenLine xmlns:a14="http://schemas.microsoft.com/office/drawing/2010/main" w="9525">
-                <a:solidFill>
-                  <a:srgbClr val="000000"/>
-                </a:solidFill>
-                <a:miter lim="800000"/>
-                <a:headEnd/>
-                <a:tailEnd/>
-              </a14:hiddenLine>
-            </a:ext>
-            <a:ext uri="{AF507438-7753-43E0-B8FC-AC1667EBCBE1}">
-              <a14:hiddenEffects xmlns:a14="http://schemas.microsoft.com/office/drawing/2010/main">
-                <a:effectLst>
-                  <a:outerShdw dist="35921" dir="2700000" algn="ctr" rotWithShape="0">
-                    <a:srgbClr val="808080"/>
-                  </a:outerShdw>
-                </a:effectLst>
-              </a14:hiddenEffects>
-            </a:ext>
-          </a:extLst>
-        </p:spPr>
-      </p:pic>
     </p:spTree>
   </p:cSld>
   <p:clrMapOvr>
     <a:masterClrMapping/>
   </p:clrMapOvr>
-  <p:timing>
-    <p:tnLst>
-      <p:par>
-        <p:cTn id="1" dur="indefinite" restart="never" nodeType="tmRoot">
-          <p:childTnLst>
-            <p:seq concurrent="1" nextAc="seek">
-              <p:cTn id="2" dur="indefinite" nodeType="mainSeq">
-                <p:childTnLst>
-                  <p:par>
-                    <p:cTn id="3" fill="hold" nodeType="clickPar">
-                      <p:stCondLst>
-                        <p:cond delay="indefinite"/>
-                      </p:stCondLst>
-                      <p:childTnLst>
-                        <p:par>
-                          <p:cTn id="4" fill="hold" nodeType="withGroup">
-                            <p:stCondLst>
-                              <p:cond delay="0"/>
-                            </p:stCondLst>
-                            <p:childTnLst>
-                              <p:par>
-                                <p:cTn id="5" presetID="10" presetClass="entr" presetSubtype="0" fill="hold" nodeType="clickEffect">
-                                  <p:stCondLst>
-                                    <p:cond delay="0"/>
-                                  </p:stCondLst>
-                                  <p:childTnLst>
-                                    <p:set>
-                                      <p:cBhvr>
-                                        <p:cTn id="6" dur="1" fill="hold">
-                                          <p:stCondLst>
-                                            <p:cond delay="0"/>
-                                          </p:stCondLst>
-                                        </p:cTn>
-                                        <p:tgtEl>
-                                          <p:spTgt spid="874499"/>
-                                        </p:tgtEl>
-                                        <p:attrNameLst>
-                                          <p:attrName>style.visibility</p:attrName>
-                                        </p:attrNameLst>
-                                      </p:cBhvr>
-                                      <p:to>
-                                        <p:strVal val="visible"/>
-                                      </p:to>
-                                    </p:set>
-                                    <p:animEffect transition="in" filter="fade">
-                                      <p:cBhvr>
-                                        <p:cTn id="7" dur="500"/>
-                                        <p:tgtEl>
-                                          <p:spTgt spid="874499"/>
-                                        </p:tgtEl>
-                                      </p:cBhvr>
-                                    </p:animEffect>
-                                  </p:childTnLst>
-                                </p:cTn>
-                              </p:par>
-                            </p:childTnLst>
-                          </p:cTn>
-                        </p:par>
-                      </p:childTnLst>
-                    </p:cTn>
-                  </p:par>
-                </p:childTnLst>
-              </p:cTn>
-              <p:prevCondLst>
-                <p:cond evt="onPrev" delay="0">
-                  <p:tgtEl>
-                    <p:sldTgt/>
-                  </p:tgtEl>
-                </p:cond>
-              </p:prevCondLst>
-              <p:nextCondLst>
-                <p:cond evt="onNext" delay="0">
-                  <p:tgtEl>
-                    <p:sldTgt/>
-                  </p:tgtEl>
-                </p:cond>
-              </p:nextCondLst>
-            </p:seq>
-          </p:childTnLst>
-        </p:cTn>
-      </p:par>
-    </p:tnLst>
-  </p:timing>
 </p:sld>
 </file>
 
